--- a/Ether Fairy 기획서 (1차).pptx
+++ b/Ether Fairy 기획서 (1차).pptx
@@ -12879,7 +12879,7 @@
           <a:p>
             <a:fld id="{0580F3F0-72E3-429E-A2B0-1A9E939BF784}" type="datetimeFigureOut">
               <a:rPr lang="ko-KR" altLang="en-US" smtClean="0"/>
-              <a:t>2018-07-19</a:t>
+              <a:t>2018-07-23</a:t>
             </a:fld>
             <a:endParaRPr lang="ko-KR" altLang="en-US"/>
           </a:p>
@@ -13077,7 +13077,7 @@
           <a:p>
             <a:fld id="{0580F3F0-72E3-429E-A2B0-1A9E939BF784}" type="datetimeFigureOut">
               <a:rPr lang="ko-KR" altLang="en-US" smtClean="0"/>
-              <a:t>2018-07-19</a:t>
+              <a:t>2018-07-23</a:t>
             </a:fld>
             <a:endParaRPr lang="ko-KR" altLang="en-US"/>
           </a:p>
@@ -13285,7 +13285,7 @@
           <a:p>
             <a:fld id="{0580F3F0-72E3-429E-A2B0-1A9E939BF784}" type="datetimeFigureOut">
               <a:rPr lang="ko-KR" altLang="en-US" smtClean="0"/>
-              <a:t>2018-07-19</a:t>
+              <a:t>2018-07-23</a:t>
             </a:fld>
             <a:endParaRPr lang="ko-KR" altLang="en-US"/>
           </a:p>
@@ -13483,7 +13483,7 @@
           <a:p>
             <a:fld id="{0580F3F0-72E3-429E-A2B0-1A9E939BF784}" type="datetimeFigureOut">
               <a:rPr lang="ko-KR" altLang="en-US" smtClean="0"/>
-              <a:t>2018-07-19</a:t>
+              <a:t>2018-07-23</a:t>
             </a:fld>
             <a:endParaRPr lang="ko-KR" altLang="en-US"/>
           </a:p>
@@ -13758,7 +13758,7 @@
           <a:p>
             <a:fld id="{0580F3F0-72E3-429E-A2B0-1A9E939BF784}" type="datetimeFigureOut">
               <a:rPr lang="ko-KR" altLang="en-US" smtClean="0"/>
-              <a:t>2018-07-19</a:t>
+              <a:t>2018-07-23</a:t>
             </a:fld>
             <a:endParaRPr lang="ko-KR" altLang="en-US"/>
           </a:p>
@@ -14023,7 +14023,7 @@
           <a:p>
             <a:fld id="{0580F3F0-72E3-429E-A2B0-1A9E939BF784}" type="datetimeFigureOut">
               <a:rPr lang="ko-KR" altLang="en-US" smtClean="0"/>
-              <a:t>2018-07-19</a:t>
+              <a:t>2018-07-23</a:t>
             </a:fld>
             <a:endParaRPr lang="ko-KR" altLang="en-US"/>
           </a:p>
@@ -14435,7 +14435,7 @@
           <a:p>
             <a:fld id="{0580F3F0-72E3-429E-A2B0-1A9E939BF784}" type="datetimeFigureOut">
               <a:rPr lang="ko-KR" altLang="en-US" smtClean="0"/>
-              <a:t>2018-07-19</a:t>
+              <a:t>2018-07-23</a:t>
             </a:fld>
             <a:endParaRPr lang="ko-KR" altLang="en-US"/>
           </a:p>
@@ -14576,7 +14576,7 @@
           <a:p>
             <a:fld id="{0580F3F0-72E3-429E-A2B0-1A9E939BF784}" type="datetimeFigureOut">
               <a:rPr lang="ko-KR" altLang="en-US" smtClean="0"/>
-              <a:t>2018-07-19</a:t>
+              <a:t>2018-07-23</a:t>
             </a:fld>
             <a:endParaRPr lang="ko-KR" altLang="en-US"/>
           </a:p>
@@ -14689,7 +14689,7 @@
           <a:p>
             <a:fld id="{0580F3F0-72E3-429E-A2B0-1A9E939BF784}" type="datetimeFigureOut">
               <a:rPr lang="ko-KR" altLang="en-US" smtClean="0"/>
-              <a:t>2018-07-19</a:t>
+              <a:t>2018-07-23</a:t>
             </a:fld>
             <a:endParaRPr lang="ko-KR" altLang="en-US"/>
           </a:p>
@@ -15000,7 +15000,7 @@
           <a:p>
             <a:fld id="{0580F3F0-72E3-429E-A2B0-1A9E939BF784}" type="datetimeFigureOut">
               <a:rPr lang="ko-KR" altLang="en-US" smtClean="0"/>
-              <a:t>2018-07-19</a:t>
+              <a:t>2018-07-23</a:t>
             </a:fld>
             <a:endParaRPr lang="ko-KR" altLang="en-US"/>
           </a:p>
@@ -15288,7 +15288,7 @@
           <a:p>
             <a:fld id="{0580F3F0-72E3-429E-A2B0-1A9E939BF784}" type="datetimeFigureOut">
               <a:rPr lang="ko-KR" altLang="en-US" smtClean="0"/>
-              <a:t>2018-07-19</a:t>
+              <a:t>2018-07-23</a:t>
             </a:fld>
             <a:endParaRPr lang="ko-KR" altLang="en-US"/>
           </a:p>
@@ -15529,7 +15529,7 @@
           <a:p>
             <a:fld id="{0580F3F0-72E3-429E-A2B0-1A9E939BF784}" type="datetimeFigureOut">
               <a:rPr lang="ko-KR" altLang="en-US" smtClean="0"/>
-              <a:t>2018-07-19</a:t>
+              <a:t>2018-07-23</a:t>
             </a:fld>
             <a:endParaRPr lang="ko-KR" altLang="en-US"/>
           </a:p>
@@ -17958,28 +17958,14 @@
                 <a:latin typeface="나눔스퀘어 Bold" panose="020B0600000101010101" pitchFamily="50" charset="-127"/>
                 <a:ea typeface="나눔스퀘어 Bold" panose="020B0600000101010101" pitchFamily="50" charset="-127"/>
               </a:rPr>
-              <a:t>ETH 0.001 </a:t>
-            </a:r>
-            <a:r>
-              <a:rPr lang="en-US" altLang="ko-KR" sz="2400">
-                <a:latin typeface="나눔스퀘어 Bold" panose="020B0600000101010101" pitchFamily="50" charset="-127"/>
-                <a:ea typeface="나눔스퀘어 Bold" panose="020B0600000101010101" pitchFamily="50" charset="-127"/>
-              </a:rPr>
-              <a:t>(5$</a:t>
-            </a:r>
-            <a:r>
-              <a:rPr lang="ko-KR" altLang="en-US" sz="2400">
-                <a:latin typeface="나눔스퀘어 Bold" panose="020B0600000101010101" pitchFamily="50" charset="-127"/>
-                <a:ea typeface="나눔스퀘어 Bold" panose="020B0600000101010101" pitchFamily="50" charset="-127"/>
-              </a:rPr>
-              <a:t> </a:t>
+              <a:t>ETH 0.001 (5$</a:t>
             </a:r>
             <a:r>
               <a:rPr lang="ko-KR" altLang="en-US" sz="2400" dirty="0">
                 <a:latin typeface="나눔스퀘어 Bold" panose="020B0600000101010101" pitchFamily="50" charset="-127"/>
                 <a:ea typeface="나눔스퀘어 Bold" panose="020B0600000101010101" pitchFamily="50" charset="-127"/>
               </a:rPr>
-              <a:t>상당</a:t>
+              <a:t> 상당</a:t>
             </a:r>
             <a:r>
               <a:rPr lang="en-US" altLang="ko-KR" sz="2400" dirty="0">
@@ -17987,22 +17973,6 @@
                 <a:ea typeface="나눔스퀘어 Bold" panose="020B0600000101010101" pitchFamily="50" charset="-127"/>
               </a:rPr>
               <a:t>)</a:t>
-            </a:r>
-          </a:p>
-          <a:p>
-            <a:r>
-              <a:rPr lang="ko-KR" altLang="en-US" sz="2400" dirty="0">
-                <a:latin typeface="나눔스퀘어 Bold" panose="020B0600000101010101" pitchFamily="50" charset="-127"/>
-                <a:ea typeface="나눔스퀘어 Bold" panose="020B0600000101010101" pitchFamily="50" charset="-127"/>
-              </a:rPr>
-              <a:t>유저간 거래 분의 </a:t>
-            </a:r>
-            <a:r>
-              <a:rPr lang="en-US" altLang="ko-KR" sz="2400" dirty="0">
-                <a:latin typeface="나눔스퀘어 Bold" panose="020B0600000101010101" pitchFamily="50" charset="-127"/>
-                <a:ea typeface="나눔스퀘어 Bold" panose="020B0600000101010101" pitchFamily="50" charset="-127"/>
-              </a:rPr>
-              <a:t>10%</a:t>
             </a:r>
           </a:p>
           <a:p>
@@ -18031,35 +18001,7 @@
                 <a:latin typeface="나눔스퀘어 Bold" panose="020B0600000101010101" pitchFamily="50" charset="-127"/>
                 <a:ea typeface="나눔스퀘어 Bold" panose="020B0600000101010101" pitchFamily="50" charset="-127"/>
               </a:rPr>
-              <a:t>(Level</a:t>
-            </a:r>
-            <a:r>
-              <a:rPr lang="ko-KR" altLang="en-US" sz="2400" dirty="0">
-                <a:latin typeface="나눔스퀘어 Bold" panose="020B0600000101010101" pitchFamily="50" charset="-127"/>
-                <a:ea typeface="나눔스퀘어 Bold" panose="020B0600000101010101" pitchFamily="50" charset="-127"/>
-              </a:rPr>
-              <a:t> </a:t>
-            </a:r>
-            <a:r>
-              <a:rPr lang="en-US" altLang="ko-KR" sz="2400" dirty="0">
-                <a:latin typeface="나눔스퀘어 Bold" panose="020B0600000101010101" pitchFamily="50" charset="-127"/>
-                <a:ea typeface="나눔스퀘어 Bold" panose="020B0600000101010101" pitchFamily="50" charset="-127"/>
-              </a:rPr>
-              <a:t>*</a:t>
-            </a:r>
-            <a:r>
-              <a:rPr lang="ko-KR" altLang="en-US" sz="2400" dirty="0">
-                <a:latin typeface="나눔스퀘어 Bold" panose="020B0600000101010101" pitchFamily="50" charset="-127"/>
-                <a:ea typeface="나눔스퀘어 Bold" panose="020B0600000101010101" pitchFamily="50" charset="-127"/>
-              </a:rPr>
-              <a:t> </a:t>
-            </a:r>
-            <a:r>
-              <a:rPr lang="en-US" altLang="ko-KR" sz="2400" dirty="0">
-                <a:latin typeface="나눔스퀘어 Bold" panose="020B0600000101010101" pitchFamily="50" charset="-127"/>
-                <a:ea typeface="나눔스퀘어 Bold" panose="020B0600000101010101" pitchFamily="50" charset="-127"/>
-              </a:rPr>
-              <a:t>ETH 0.0002)</a:t>
+              <a:t>ETH 0.001</a:t>
             </a:r>
           </a:p>
           <a:p>
@@ -18085,11 +18027,45 @@
               <a:t>업 당 가격 </a:t>
             </a:r>
             <a:r>
+              <a:rPr lang="en-US" altLang="ko-KR" sz="2400">
+                <a:latin typeface="나눔스퀘어 Bold" panose="020B0600000101010101" pitchFamily="50" charset="-127"/>
+                <a:ea typeface="나눔스퀘어 Bold" panose="020B0600000101010101" pitchFamily="50" charset="-127"/>
+              </a:rPr>
+              <a:t>ETH 0.001</a:t>
+            </a:r>
+            <a:endParaRPr lang="en-US" altLang="ko-KR" sz="2400" dirty="0">
+              <a:latin typeface="나눔스퀘어 Bold" panose="020B0600000101010101" pitchFamily="50" charset="-127"/>
+              <a:ea typeface="나눔스퀘어 Bold" panose="020B0600000101010101" pitchFamily="50" charset="-127"/>
+            </a:endParaRPr>
+          </a:p>
+          <a:p>
+            <a:r>
+              <a:rPr lang="ko-KR" altLang="en-US" sz="2400" dirty="0">
+                <a:latin typeface="나눔스퀘어 Bold" panose="020B0600000101010101" pitchFamily="50" charset="-127"/>
+                <a:ea typeface="나눔스퀘어 Bold" panose="020B0600000101010101" pitchFamily="50" charset="-127"/>
+              </a:rPr>
+              <a:t>유저간 거래 분의 </a:t>
+            </a:r>
+            <a:r>
               <a:rPr lang="en-US" altLang="ko-KR" sz="2400" dirty="0">
                 <a:latin typeface="나눔스퀘어 Bold" panose="020B0600000101010101" pitchFamily="50" charset="-127"/>
                 <a:ea typeface="나눔스퀘어 Bold" panose="020B0600000101010101" pitchFamily="50" charset="-127"/>
               </a:rPr>
-              <a:t>ETH 0.01</a:t>
+              <a:t>10% (</a:t>
+            </a:r>
+            <a:r>
+              <a:rPr lang="ko-KR" altLang="en-US" sz="2400" dirty="0">
+                <a:latin typeface="나눔스퀘어 Bold" panose="020B0600000101010101" pitchFamily="50" charset="-127"/>
+                <a:ea typeface="나눔스퀘어 Bold" panose="020B0600000101010101" pitchFamily="50" charset="-127"/>
+              </a:rPr>
+              <a:t>요정 거래소</a:t>
+            </a:r>
+            <a:r>
+              <a:rPr lang="en-US" altLang="ko-KR" sz="2400" dirty="0">
+                <a:latin typeface="나눔스퀘어 Bold" panose="020B0600000101010101" pitchFamily="50" charset="-127"/>
+                <a:ea typeface="나눔스퀘어 Bold" panose="020B0600000101010101" pitchFamily="50" charset="-127"/>
+              </a:rPr>
+              <a:t>)</a:t>
             </a:r>
           </a:p>
         </p:txBody>
@@ -18195,6 +18171,76 @@
               <a:t>.</a:t>
             </a:r>
             <a:endParaRPr lang="ko-KR" altLang="en-US" dirty="0">
+              <a:latin typeface="나눔스퀘어 Bold" panose="020B0600000101010101" pitchFamily="50" charset="-127"/>
+              <a:ea typeface="나눔스퀘어 Bold" panose="020B0600000101010101" pitchFamily="50" charset="-127"/>
+            </a:endParaRPr>
+          </a:p>
+        </p:txBody>
+      </p:sp>
+      <p:sp>
+        <p:nvSpPr>
+          <p:cNvPr id="6" name="TextBox 5">
+            <a:extLst>
+              <a:ext uri="{FF2B5EF4-FFF2-40B4-BE49-F238E27FC236}">
+                <a16:creationId xmlns:a16="http://schemas.microsoft.com/office/drawing/2014/main" id="{ACD83968-F0B8-4E9F-A561-9CC612ED4072}"/>
+              </a:ext>
+            </a:extLst>
+          </p:cNvPr>
+          <p:cNvSpPr txBox="1"/>
+          <p:nvPr/>
+        </p:nvSpPr>
+        <p:spPr>
+          <a:xfrm>
+            <a:off x="6568489" y="6492875"/>
+            <a:ext cx="5604419" cy="276999"/>
+          </a:xfrm>
+          <a:prstGeom prst="rect">
+            <a:avLst/>
+          </a:prstGeom>
+          <a:noFill/>
+        </p:spPr>
+        <p:txBody>
+          <a:bodyPr wrap="none" rtlCol="0">
+            <a:spAutoFit/>
+          </a:bodyPr>
+          <a:lstStyle/>
+          <a:p>
+            <a:r>
+              <a:rPr lang="en-US" altLang="ko-KR" sz="1200" dirty="0">
+                <a:latin typeface="나눔스퀘어 Bold" panose="020B0600000101010101" pitchFamily="50" charset="-127"/>
+                <a:ea typeface="나눔스퀘어 Bold" panose="020B0600000101010101" pitchFamily="50" charset="-127"/>
+              </a:rPr>
+              <a:t>(</a:t>
+            </a:r>
+            <a:r>
+              <a:rPr lang="ko-KR" altLang="en-US" sz="1200" dirty="0">
+                <a:latin typeface="나눔스퀘어 Bold" panose="020B0600000101010101" pitchFamily="50" charset="-127"/>
+                <a:ea typeface="나눔스퀘어 Bold" panose="020B0600000101010101" pitchFamily="50" charset="-127"/>
+              </a:rPr>
+              <a:t>단</a:t>
+            </a:r>
+            <a:r>
+              <a:rPr lang="en-US" altLang="ko-KR" sz="1200" dirty="0">
+                <a:latin typeface="나눔스퀘어 Bold" panose="020B0600000101010101" pitchFamily="50" charset="-127"/>
+                <a:ea typeface="나눔스퀘어 Bold" panose="020B0600000101010101" pitchFamily="50" charset="-127"/>
+              </a:rPr>
+              <a:t>, </a:t>
+            </a:r>
+            <a:r>
+              <a:rPr lang="ko-KR" altLang="en-US" sz="1200" dirty="0">
+                <a:latin typeface="나눔스퀘어 Bold" panose="020B0600000101010101" pitchFamily="50" charset="-127"/>
+                <a:ea typeface="나눔스퀘어 Bold" panose="020B0600000101010101" pitchFamily="50" charset="-127"/>
+              </a:rPr>
+              <a:t>유저간 거래분에 대해서는 거래소가 분리되어 있으므로 수익을 분배하지 않습니다</a:t>
+            </a:r>
+            <a:r>
+              <a:rPr lang="en-US" altLang="ko-KR" sz="1200" dirty="0">
+                <a:latin typeface="나눔스퀘어 Bold" panose="020B0600000101010101" pitchFamily="50" charset="-127"/>
+                <a:ea typeface="나눔스퀘어 Bold" panose="020B0600000101010101" pitchFamily="50" charset="-127"/>
+              </a:rPr>
+              <a:t>.)</a:t>
+            </a:r>
+            <a:endParaRPr lang="ko-KR" altLang="en-US" sz="1200" dirty="0">
               <a:latin typeface="나눔스퀘어 Bold" panose="020B0600000101010101" pitchFamily="50" charset="-127"/>
               <a:ea typeface="나눔스퀘어 Bold" panose="020B0600000101010101" pitchFamily="50" charset="-127"/>
             </a:endParaRPr>

--- a/Ether Fairy 기획서 (1차).pptx
+++ b/Ether Fairy 기획서 (1차).pptx
@@ -12879,7 +12879,7 @@
           <a:p>
             <a:fld id="{0580F3F0-72E3-429E-A2B0-1A9E939BF784}" type="datetimeFigureOut">
               <a:rPr lang="ko-KR" altLang="en-US" smtClean="0"/>
-              <a:t>2018-07-23</a:t>
+              <a:t>2018-07-28</a:t>
             </a:fld>
             <a:endParaRPr lang="ko-KR" altLang="en-US"/>
           </a:p>
@@ -13077,7 +13077,7 @@
           <a:p>
             <a:fld id="{0580F3F0-72E3-429E-A2B0-1A9E939BF784}" type="datetimeFigureOut">
               <a:rPr lang="ko-KR" altLang="en-US" smtClean="0"/>
-              <a:t>2018-07-23</a:t>
+              <a:t>2018-07-28</a:t>
             </a:fld>
             <a:endParaRPr lang="ko-KR" altLang="en-US"/>
           </a:p>
@@ -13285,7 +13285,7 @@
           <a:p>
             <a:fld id="{0580F3F0-72E3-429E-A2B0-1A9E939BF784}" type="datetimeFigureOut">
               <a:rPr lang="ko-KR" altLang="en-US" smtClean="0"/>
-              <a:t>2018-07-23</a:t>
+              <a:t>2018-07-28</a:t>
             </a:fld>
             <a:endParaRPr lang="ko-KR" altLang="en-US"/>
           </a:p>
@@ -13483,7 +13483,7 @@
           <a:p>
             <a:fld id="{0580F3F0-72E3-429E-A2B0-1A9E939BF784}" type="datetimeFigureOut">
               <a:rPr lang="ko-KR" altLang="en-US" smtClean="0"/>
-              <a:t>2018-07-23</a:t>
+              <a:t>2018-07-28</a:t>
             </a:fld>
             <a:endParaRPr lang="ko-KR" altLang="en-US"/>
           </a:p>
@@ -13758,7 +13758,7 @@
           <a:p>
             <a:fld id="{0580F3F0-72E3-429E-A2B0-1A9E939BF784}" type="datetimeFigureOut">
               <a:rPr lang="ko-KR" altLang="en-US" smtClean="0"/>
-              <a:t>2018-07-23</a:t>
+              <a:t>2018-07-28</a:t>
             </a:fld>
             <a:endParaRPr lang="ko-KR" altLang="en-US"/>
           </a:p>
@@ -14023,7 +14023,7 @@
           <a:p>
             <a:fld id="{0580F3F0-72E3-429E-A2B0-1A9E939BF784}" type="datetimeFigureOut">
               <a:rPr lang="ko-KR" altLang="en-US" smtClean="0"/>
-              <a:t>2018-07-23</a:t>
+              <a:t>2018-07-28</a:t>
             </a:fld>
             <a:endParaRPr lang="ko-KR" altLang="en-US"/>
           </a:p>
@@ -14435,7 +14435,7 @@
           <a:p>
             <a:fld id="{0580F3F0-72E3-429E-A2B0-1A9E939BF784}" type="datetimeFigureOut">
               <a:rPr lang="ko-KR" altLang="en-US" smtClean="0"/>
-              <a:t>2018-07-23</a:t>
+              <a:t>2018-07-28</a:t>
             </a:fld>
             <a:endParaRPr lang="ko-KR" altLang="en-US"/>
           </a:p>
@@ -14576,7 +14576,7 @@
           <a:p>
             <a:fld id="{0580F3F0-72E3-429E-A2B0-1A9E939BF784}" type="datetimeFigureOut">
               <a:rPr lang="ko-KR" altLang="en-US" smtClean="0"/>
-              <a:t>2018-07-23</a:t>
+              <a:t>2018-07-28</a:t>
             </a:fld>
             <a:endParaRPr lang="ko-KR" altLang="en-US"/>
           </a:p>
@@ -14689,7 +14689,7 @@
           <a:p>
             <a:fld id="{0580F3F0-72E3-429E-A2B0-1A9E939BF784}" type="datetimeFigureOut">
               <a:rPr lang="ko-KR" altLang="en-US" smtClean="0"/>
-              <a:t>2018-07-23</a:t>
+              <a:t>2018-07-28</a:t>
             </a:fld>
             <a:endParaRPr lang="ko-KR" altLang="en-US"/>
           </a:p>
@@ -15000,7 +15000,7 @@
           <a:p>
             <a:fld id="{0580F3F0-72E3-429E-A2B0-1A9E939BF784}" type="datetimeFigureOut">
               <a:rPr lang="ko-KR" altLang="en-US" smtClean="0"/>
-              <a:t>2018-07-23</a:t>
+              <a:t>2018-07-28</a:t>
             </a:fld>
             <a:endParaRPr lang="ko-KR" altLang="en-US"/>
           </a:p>
@@ -15288,7 +15288,7 @@
           <a:p>
             <a:fld id="{0580F3F0-72E3-429E-A2B0-1A9E939BF784}" type="datetimeFigureOut">
               <a:rPr lang="ko-KR" altLang="en-US" smtClean="0"/>
-              <a:t>2018-07-23</a:t>
+              <a:t>2018-07-28</a:t>
             </a:fld>
             <a:endParaRPr lang="ko-KR" altLang="en-US"/>
           </a:p>
@@ -15529,7 +15529,7 @@
           <a:p>
             <a:fld id="{0580F3F0-72E3-429E-A2B0-1A9E939BF784}" type="datetimeFigureOut">
               <a:rPr lang="ko-KR" altLang="en-US" smtClean="0"/>
-              <a:t>2018-07-23</a:t>
+              <a:t>2018-07-28</a:t>
             </a:fld>
             <a:endParaRPr lang="ko-KR" altLang="en-US"/>
           </a:p>
@@ -17958,7 +17958,7 @@
                 <a:latin typeface="나눔스퀘어 Bold" panose="020B0600000101010101" pitchFamily="50" charset="-127"/>
                 <a:ea typeface="나눔스퀘어 Bold" panose="020B0600000101010101" pitchFamily="50" charset="-127"/>
               </a:rPr>
-              <a:t>ETH 0.001 (5$</a:t>
+              <a:t>ETH 0.01 (5$</a:t>
             </a:r>
             <a:r>
               <a:rPr lang="ko-KR" altLang="en-US" sz="2400" dirty="0">
@@ -18001,7 +18001,7 @@
                 <a:latin typeface="나눔스퀘어 Bold" panose="020B0600000101010101" pitchFamily="50" charset="-127"/>
                 <a:ea typeface="나눔스퀘어 Bold" panose="020B0600000101010101" pitchFamily="50" charset="-127"/>
               </a:rPr>
-              <a:t>ETH 0.001</a:t>
+              <a:t>ETH 0.01</a:t>
             </a:r>
           </a:p>
           <a:p>
@@ -18031,7 +18031,7 @@
                 <a:latin typeface="나눔스퀘어 Bold" panose="020B0600000101010101" pitchFamily="50" charset="-127"/>
                 <a:ea typeface="나눔스퀘어 Bold" panose="020B0600000101010101" pitchFamily="50" charset="-127"/>
               </a:rPr>
-              <a:t>ETH 0.001</a:t>
+              <a:t>ETH 0.01</a:t>
             </a:r>
             <a:endParaRPr lang="en-US" altLang="ko-KR" sz="2400" dirty="0">
               <a:latin typeface="나눔스퀘어 Bold" panose="020B0600000101010101" pitchFamily="50" charset="-127"/>
